--- a/Documents/Project Portal.pptx
+++ b/Documents/Project Portal.pptx
@@ -20,7 +20,7 @@
     <p:sldId id="272" r:id="rId12"/>
   </p:sldIdLst>
   <p:sldSz cx="9144000" cy="6858000" type="screen4x3"/>
-  <p:notesSz cx="6858000" cy="9144000"/>
+  <p:notesSz cx="7099300" cy="10234613"/>
   <p:defaultTextStyle>
     <a:defPPr>
       <a:defRPr lang="en-US"/>
@@ -170,17 +170,17 @@
         <p:spPr>
           <a:xfrm>
             <a:off x="0" y="0"/>
-            <a:ext cx="2971800" cy="457200"/>
+            <a:ext cx="3076363" cy="511731"/>
           </a:xfrm>
           <a:prstGeom prst="rect">
             <a:avLst/>
           </a:prstGeom>
         </p:spPr>
         <p:txBody>
-          <a:bodyPr vert="horz" lIns="91440" tIns="45720" rIns="91440" bIns="45720" rtlCol="0"/>
+          <a:bodyPr vert="horz" lIns="99048" tIns="49524" rIns="99048" bIns="49524" rtlCol="0"/>
           <a:lstStyle>
             <a:lvl1pPr algn="l">
-              <a:defRPr sz="1200"/>
+              <a:defRPr sz="1300"/>
             </a:lvl1pPr>
           </a:lstStyle>
           <a:p>
@@ -200,18 +200,18 @@
         </p:nvSpPr>
         <p:spPr>
           <a:xfrm>
-            <a:off x="3884613" y="0"/>
-            <a:ext cx="2971800" cy="457200"/>
+            <a:off x="4021294" y="0"/>
+            <a:ext cx="3076363" cy="511731"/>
           </a:xfrm>
           <a:prstGeom prst="rect">
             <a:avLst/>
           </a:prstGeom>
         </p:spPr>
         <p:txBody>
-          <a:bodyPr vert="horz" lIns="91440" tIns="45720" rIns="91440" bIns="45720" rtlCol="0"/>
+          <a:bodyPr vert="horz" lIns="99048" tIns="49524" rIns="99048" bIns="49524" rtlCol="0"/>
           <a:lstStyle>
             <a:lvl1pPr algn="r">
-              <a:defRPr sz="1200"/>
+              <a:defRPr sz="1300"/>
             </a:lvl1pPr>
           </a:lstStyle>
           <a:p>
@@ -235,8 +235,8 @@
         </p:nvSpPr>
         <p:spPr>
           <a:xfrm>
-            <a:off x="1143000" y="685800"/>
-            <a:ext cx="4572000" cy="3429000"/>
+            <a:off x="992188" y="768350"/>
+            <a:ext cx="5114925" cy="3836988"/>
           </a:xfrm>
           <a:prstGeom prst="rect">
             <a:avLst/>
@@ -249,7 +249,7 @@
           </a:ln>
         </p:spPr>
         <p:txBody>
-          <a:bodyPr vert="horz" lIns="91440" tIns="45720" rIns="91440" bIns="45720" rtlCol="0" anchor="ctr"/>
+          <a:bodyPr vert="horz" lIns="99048" tIns="49524" rIns="99048" bIns="49524" rtlCol="0" anchor="ctr"/>
           <a:lstStyle/>
           <a:p>
             <a:endParaRPr lang="en-US"/>
@@ -268,15 +268,15 @@
         </p:nvSpPr>
         <p:spPr>
           <a:xfrm>
-            <a:off x="685800" y="4343400"/>
-            <a:ext cx="5486400" cy="4114800"/>
+            <a:off x="709930" y="4861441"/>
+            <a:ext cx="5679440" cy="4605576"/>
           </a:xfrm>
           <a:prstGeom prst="rect">
             <a:avLst/>
           </a:prstGeom>
         </p:spPr>
         <p:txBody>
-          <a:bodyPr vert="horz" lIns="91440" tIns="45720" rIns="91440" bIns="45720" rtlCol="0">
+          <a:bodyPr vert="horz" lIns="99048" tIns="49524" rIns="99048" bIns="49524" rtlCol="0">
             <a:normAutofit/>
           </a:bodyPr>
           <a:lstStyle/>
@@ -330,18 +330,18 @@
         </p:nvSpPr>
         <p:spPr>
           <a:xfrm>
-            <a:off x="0" y="8685213"/>
-            <a:ext cx="2971800" cy="457200"/>
+            <a:off x="0" y="9721106"/>
+            <a:ext cx="3076363" cy="511731"/>
           </a:xfrm>
           <a:prstGeom prst="rect">
             <a:avLst/>
           </a:prstGeom>
         </p:spPr>
         <p:txBody>
-          <a:bodyPr vert="horz" lIns="91440" tIns="45720" rIns="91440" bIns="45720" rtlCol="0" anchor="b"/>
+          <a:bodyPr vert="horz" lIns="99048" tIns="49524" rIns="99048" bIns="49524" rtlCol="0" anchor="b"/>
           <a:lstStyle>
             <a:lvl1pPr algn="l">
-              <a:defRPr sz="1200"/>
+              <a:defRPr sz="1300"/>
             </a:lvl1pPr>
           </a:lstStyle>
           <a:p>
@@ -361,18 +361,18 @@
         </p:nvSpPr>
         <p:spPr>
           <a:xfrm>
-            <a:off x="3884613" y="8685213"/>
-            <a:ext cx="2971800" cy="457200"/>
+            <a:off x="4021294" y="9721106"/>
+            <a:ext cx="3076363" cy="511731"/>
           </a:xfrm>
           <a:prstGeom prst="rect">
             <a:avLst/>
           </a:prstGeom>
         </p:spPr>
         <p:txBody>
-          <a:bodyPr vert="horz" lIns="91440" tIns="45720" rIns="91440" bIns="45720" rtlCol="0" anchor="b"/>
+          <a:bodyPr vert="horz" lIns="99048" tIns="49524" rIns="99048" bIns="49524" rtlCol="0" anchor="b"/>
           <a:lstStyle>
             <a:lvl1pPr algn="r">
-              <a:defRPr sz="1200"/>
+              <a:defRPr sz="1300"/>
             </a:lvl1pPr>
           </a:lstStyle>
           <a:p>
@@ -592,8 +592,8 @@
         </p:nvSpPr>
         <p:spPr>
           <a:xfrm>
-            <a:off x="0" y="8685213"/>
-            <a:ext cx="6172200" cy="457200"/>
+            <a:off x="0" y="9721106"/>
+            <a:ext cx="6389370" cy="511731"/>
           </a:xfrm>
         </p:spPr>
         <p:txBody>
@@ -601,7 +601,7 @@
           <a:lstStyle/>
           <a:p>
             <a:r>
-              <a:rPr lang="en-US" sz="500" dirty="0" smtClean="0">
+              <a:rPr lang="en-US" sz="500" dirty="0">
                 <a:solidFill>
                   <a:srgbClr val="000000"/>
                 </a:solidFill>
@@ -611,7 +611,7 @@
           </a:p>
           <a:p>
             <a:r>
-              <a:rPr lang="en-US" sz="500" dirty="0" smtClean="0">
+              <a:rPr lang="en-US" sz="500" dirty="0">
                 <a:solidFill>
                   <a:srgbClr val="000000"/>
                 </a:solidFill>
@@ -619,14 +619,14 @@
               <a:t>The information herein is for informational purposes only and represents the current view of Microsoft Corporation as of the date of this presentation.  Because Microsoft must respond to changing market conditions, it should not be interpreted to be a commitment on the part of Microsoft, and Microsoft cannot guarantee the accuracy of any information provided after the date of this presentation.  </a:t>
             </a:r>
             <a:br>
-              <a:rPr lang="en-US" sz="500" dirty="0" smtClean="0">
+              <a:rPr lang="en-US" sz="500" dirty="0">
                 <a:solidFill>
                   <a:srgbClr val="000000"/>
                 </a:solidFill>
               </a:rPr>
             </a:br>
             <a:r>
-              <a:rPr lang="en-US" sz="500" dirty="0" smtClean="0">
+              <a:rPr lang="en-US" sz="500" dirty="0">
                 <a:solidFill>
                   <a:srgbClr val="000000"/>
                 </a:solidFill>
@@ -651,8 +651,8 @@
         </p:nvSpPr>
         <p:spPr>
           <a:xfrm>
-            <a:off x="6172199" y="8685213"/>
-            <a:ext cx="684213" cy="457200"/>
+            <a:off x="6389370" y="9721106"/>
+            <a:ext cx="708287" cy="511731"/>
           </a:xfrm>
         </p:spPr>
         <p:txBody>
@@ -4151,7 +4151,7 @@
           <a:graphicData uri="http://schemas.openxmlformats.org/presentationml/2006/ole">
             <mc:AlternateContent xmlns:mc="http://schemas.openxmlformats.org/markup-compatibility/2006">
               <mc:Choice xmlns:v="urn:schemas-microsoft-com:vml" Requires="v">
-                <p:oleObj spid="_x0000_s1029" r:id="rId3" imgW="9620244" imgH="5781780" progId="Visio.Drawing.15">
+                <p:oleObj spid="_x0000_s1030" r:id="rId3" imgW="9620244" imgH="5781780" progId="Visio.Drawing.15">
                   <p:embed/>
                 </p:oleObj>
               </mc:Choice>
@@ -4635,7 +4635,7 @@
         <p:spPr>
           <a:xfrm>
             <a:off x="381000" y="1411552"/>
-            <a:ext cx="8382000" cy="2336665"/>
+            <a:ext cx="8382000" cy="3151632"/>
           </a:xfrm>
         </p:spPr>
         <p:txBody>
@@ -4649,8 +4649,13 @@
             </a:pPr>
             <a:r>
               <a:rPr lang="en-US" dirty="0" smtClean="0"/>
-              <a:t>Display a file browser</a:t>
-            </a:r>
+              <a:t>Display a file browser to display </a:t>
+            </a:r>
+            <a:r>
+              <a:rPr lang="en-US" smtClean="0"/>
+              <a:t>and manipulate files</a:t>
+            </a:r>
+            <a:endParaRPr lang="en-US" dirty="0" smtClean="0"/>
           </a:p>
           <a:p>
             <a:pPr>
